--- a/2016  Plan/11月/JS 5天课程讲义/JavaScript/day01 基本数据类型/JavaScript.pptx
+++ b/2016  Plan/11月/JS 5天课程讲义/JavaScript/day01 基本数据类型/JavaScript.pptx
@@ -3715,7 +3715,7 @@
         </p:nvSpPr>
         <p:spPr>
           <a:xfrm>
-            <a:off x="1697566" y="1456266"/>
+            <a:off x="1249883" y="1221399"/>
             <a:ext cx="1562101" cy="774701"/>
           </a:xfrm>
           <a:prstGeom prst="rect">
@@ -3749,6 +3749,7 @@
           </a:lstStyle>
           <a:p>
             <a:r>
+              <a:rPr dirty="0"/>
               <a:t>重点：</a:t>
             </a:r>
           </a:p>
